--- a/slides/IoC Block 1 - Day 1 - Lesson 3 - Variables.pptx
+++ b/slides/IoC Block 1 - Day 1 - Lesson 3 - Variables.pptx
@@ -274,7 +274,7 @@
               <a:pPr>
                 <a:defRPr/>
               </a:pPr>
-              <a:t>23/06/2019</a:t>
+              <a:t>30/06/2019</a:t>
             </a:fld>
             <a:endParaRPr lang="en-GB" dirty="0"/>
           </a:p>
@@ -658,10 +658,7 @@
               </a:spcAft>
               <a:defRPr/>
             </a:pPr>
-            <a:r>
-              <a:rPr lang="en-GB" sz="2143" dirty="0"/>
-              <a:t>Please do not reduce the font size as this is the recommended size for mobile phone users.</a:t>
-            </a:r>
+            <a:endParaRPr lang="en-GB" sz="2143" dirty="0"/>
           </a:p>
         </p:txBody>
       </p:sp>
@@ -2883,7 +2880,7 @@
               <a:pPr>
                 <a:defRPr/>
               </a:pPr>
-              <a:t>23/06/2019</a:t>
+              <a:t>30/06/2019</a:t>
             </a:fld>
             <a:endParaRPr lang="en-GB" dirty="0"/>
           </a:p>
@@ -3348,7 +3345,7 @@
               <a:pPr>
                 <a:defRPr/>
               </a:pPr>
-              <a:t>23/06/2019</a:t>
+              <a:t>30/06/2019</a:t>
             </a:fld>
             <a:endParaRPr lang="en-GB" dirty="0"/>
           </a:p>
